--- a/C#在Unity中的最佳实践.pptx
+++ b/C#在Unity中的最佳实践.pptx
@@ -3858,19 +3858,23 @@
           <a:p>
             <a:r>
               <a:rPr lang="en-US" altLang="zh-CN" dirty="0"/>
+              <a:t>Unity</a:t>
+            </a:r>
+            <a:r>
+              <a:rPr lang="zh-CN" altLang="en-US"/>
+              <a:t>中</a:t>
+            </a:r>
+            <a:r>
+              <a:rPr lang="zh-CN" altLang="en-US" dirty="0"/>
+              <a:t>的</a:t>
+            </a:r>
+            <a:r>
+              <a:rPr lang="en-US" altLang="zh-CN" dirty="0"/>
               <a:t>C#</a:t>
             </a:r>
             <a:r>
               <a:rPr lang="zh-CN" altLang="en-US" dirty="0"/>
-              <a:t>在</a:t>
-            </a:r>
-            <a:r>
-              <a:rPr lang="en-US" altLang="zh-CN" dirty="0"/>
-              <a:t>Unity</a:t>
-            </a:r>
-            <a:r>
-              <a:rPr lang="zh-CN" altLang="en-US" dirty="0"/>
-              <a:t>中的最佳实践</a:t>
+              <a:t>最佳实践</a:t>
             </a:r>
           </a:p>
         </p:txBody>
